--- a/presentation.pptx
+++ b/presentation.pptx
@@ -5,10 +5,15 @@
     <p:sldMasterId id="2147483648" r:id="rId1"/>
   </p:sldMasterIdLst>
   <p:notesMasterIdLst>
-    <p:notesMasterId r:id="rId3"/>
+    <p:notesMasterId r:id="rId8"/>
   </p:notesMasterIdLst>
   <p:sldIdLst>
-    <p:sldId id="256" r:id="rId2"/>
+    <p:sldId id="259" r:id="rId2"/>
+    <p:sldId id="260" r:id="rId3"/>
+    <p:sldId id="261" r:id="rId4"/>
+    <p:sldId id="257" r:id="rId5"/>
+    <p:sldId id="256" r:id="rId6"/>
+    <p:sldId id="258" r:id="rId7"/>
   </p:sldIdLst>
   <p:sldSz cx="12192000" cy="6858000"/>
   <p:notesSz cx="6858000" cy="9144000"/>
@@ -107,6 +112,11 @@
       </a:defRPr>
     </a:lvl9pPr>
   </p:defaultTextStyle>
+  <p:extLst>
+    <p:ext uri="{EFAFB233-063F-42B5-8137-9DF3F51BA10A}">
+      <p15:sldGuideLst xmlns:p15="http://schemas.microsoft.com/office/powerpoint/2012/main"/>
+    </p:ext>
+  </p:extLst>
 </p:presentation>
 </file>
 
@@ -525,7 +535,7 @@
           <a:p>
             <a:fld id="{9C21A093-EED3-4D59-BAA8-8416AB7C13A2}" type="slidenum">
               <a:rPr lang="fr-FR" smtClean="0"/>
-              <a:t>1</a:t>
+              <a:t>5</a:t>
             </a:fld>
             <a:endParaRPr lang="fr-FR"/>
           </a:p>
@@ -3385,6 +3395,1090 @@
 </file>
 
 <file path=ppt/slides/slide1.xml><?xml version="1.0" encoding="utf-8"?>
+<p:sld xmlns:a="http://schemas.openxmlformats.org/drawingml/2006/main" xmlns:r="http://schemas.openxmlformats.org/officeDocument/2006/relationships" xmlns:p="http://schemas.openxmlformats.org/presentationml/2006/main">
+  <p:cSld>
+    <p:spTree>
+      <p:nvGrpSpPr>
+        <p:cNvPr id="1" name=""/>
+        <p:cNvGrpSpPr/>
+        <p:nvPr/>
+      </p:nvGrpSpPr>
+      <p:grpSpPr>
+        <a:xfrm>
+          <a:off x="0" y="0"/>
+          <a:ext cx="0" cy="0"/>
+          <a:chOff x="0" y="0"/>
+          <a:chExt cx="0" cy="0"/>
+        </a:xfrm>
+      </p:grpSpPr>
+      <p:sp>
+        <p:nvSpPr>
+          <p:cNvPr id="2" name="Titre 1"/>
+          <p:cNvSpPr>
+            <a:spLocks noGrp="1"/>
+          </p:cNvSpPr>
+          <p:nvPr>
+            <p:ph type="title"/>
+          </p:nvPr>
+        </p:nvSpPr>
+        <p:spPr/>
+        <p:txBody>
+          <a:bodyPr/>
+          <a:lstStyle/>
+          <a:p>
+            <a:r>
+              <a:rPr lang="en-US" dirty="0" err="1" smtClean="0"/>
+              <a:t>Javascript</a:t>
+            </a:r>
+            <a:endParaRPr lang="en-US" dirty="0"/>
+          </a:p>
+        </p:txBody>
+      </p:sp>
+      <p:sp>
+        <p:nvSpPr>
+          <p:cNvPr id="5" name="Bouée 4"/>
+          <p:cNvSpPr/>
+          <p:nvPr/>
+        </p:nvSpPr>
+        <p:spPr>
+          <a:xfrm>
+            <a:off x="3056708" y="1690688"/>
+            <a:ext cx="5024846" cy="4511040"/>
+          </a:xfrm>
+          <a:prstGeom prst="donut">
+            <a:avLst>
+              <a:gd name="adj" fmla="val 8030"/>
+            </a:avLst>
+          </a:prstGeom>
+          <a:solidFill>
+            <a:schemeClr val="accent1">
+              <a:lumMod val="60000"/>
+              <a:lumOff val="40000"/>
+            </a:schemeClr>
+          </a:solidFill>
+          <a:ln>
+            <a:noFill/>
+          </a:ln>
+        </p:spPr>
+        <p:style>
+          <a:lnRef idx="2">
+            <a:schemeClr val="accent3">
+              <a:shade val="50000"/>
+            </a:schemeClr>
+          </a:lnRef>
+          <a:fillRef idx="1">
+            <a:schemeClr val="accent3"/>
+          </a:fillRef>
+          <a:effectRef idx="0">
+            <a:schemeClr val="accent3"/>
+          </a:effectRef>
+          <a:fontRef idx="minor">
+            <a:schemeClr val="lt1"/>
+          </a:fontRef>
+        </p:style>
+        <p:txBody>
+          <a:bodyPr rtlCol="0" anchor="ctr"/>
+          <a:lstStyle/>
+          <a:p>
+            <a:pPr algn="ctr"/>
+            <a:endParaRPr lang="en-US">
+              <a:solidFill>
+                <a:schemeClr val="tx1"/>
+              </a:solidFill>
+            </a:endParaRPr>
+          </a:p>
+        </p:txBody>
+      </p:sp>
+      <p:sp>
+        <p:nvSpPr>
+          <p:cNvPr id="7" name="Hexagone 6"/>
+          <p:cNvSpPr/>
+          <p:nvPr/>
+        </p:nvSpPr>
+        <p:spPr>
+          <a:xfrm>
+            <a:off x="6458610" y="1254223"/>
+            <a:ext cx="570334" cy="319597"/>
+          </a:xfrm>
+          <a:prstGeom prst="hexagon">
+            <a:avLst>
+              <a:gd name="adj" fmla="val 22222"/>
+              <a:gd name="vf" fmla="val 115470"/>
+            </a:avLst>
+          </a:prstGeom>
+        </p:spPr>
+        <p:style>
+          <a:lnRef idx="2">
+            <a:schemeClr val="accent4">
+              <a:shade val="50000"/>
+            </a:schemeClr>
+          </a:lnRef>
+          <a:fillRef idx="1">
+            <a:schemeClr val="accent4"/>
+          </a:fillRef>
+          <a:effectRef idx="0">
+            <a:schemeClr val="accent4"/>
+          </a:effectRef>
+          <a:fontRef idx="minor">
+            <a:schemeClr val="lt1"/>
+          </a:fontRef>
+        </p:style>
+        <p:txBody>
+          <a:bodyPr rtlCol="0" anchor="ctr"/>
+          <a:lstStyle/>
+          <a:p>
+            <a:pPr algn="ctr"/>
+            <a:r>
+              <a:rPr lang="fr-FR" sz="700" b="1" dirty="0" err="1" smtClean="0">
+                <a:solidFill>
+                  <a:schemeClr val="tx1"/>
+                </a:solidFill>
+              </a:rPr>
+              <a:t>Async</a:t>
+            </a:r>
+            <a:r>
+              <a:rPr lang="fr-FR" sz="700" b="1" dirty="0" smtClean="0">
+                <a:solidFill>
+                  <a:schemeClr val="tx1"/>
+                </a:solidFill>
+              </a:rPr>
+              <a:t> </a:t>
+            </a:r>
+            <a:r>
+              <a:rPr lang="fr-FR" sz="700" b="1" dirty="0" err="1" smtClean="0">
+                <a:solidFill>
+                  <a:schemeClr val="tx1"/>
+                </a:solidFill>
+              </a:rPr>
+              <a:t>task</a:t>
+            </a:r>
+            <a:endParaRPr lang="fr-FR" sz="700" b="1" dirty="0">
+              <a:solidFill>
+                <a:schemeClr val="tx1"/>
+              </a:solidFill>
+            </a:endParaRPr>
+          </a:p>
+        </p:txBody>
+      </p:sp>
+      <p:sp>
+        <p:nvSpPr>
+          <p:cNvPr id="6" name="Ellipse 5"/>
+          <p:cNvSpPr/>
+          <p:nvPr/>
+        </p:nvSpPr>
+        <p:spPr>
+          <a:xfrm>
+            <a:off x="5460274" y="1776549"/>
+            <a:ext cx="217714" cy="217714"/>
+          </a:xfrm>
+          <a:prstGeom prst="ellipse">
+            <a:avLst/>
+          </a:prstGeom>
+          <a:solidFill>
+            <a:schemeClr val="bg2">
+              <a:lumMod val="25000"/>
+            </a:schemeClr>
+          </a:solidFill>
+          <a:ln>
+            <a:solidFill>
+              <a:schemeClr val="bg2">
+                <a:lumMod val="25000"/>
+              </a:schemeClr>
+            </a:solidFill>
+          </a:ln>
+        </p:spPr>
+        <p:style>
+          <a:lnRef idx="2">
+            <a:schemeClr val="dk1">
+              <a:shade val="50000"/>
+            </a:schemeClr>
+          </a:lnRef>
+          <a:fillRef idx="1">
+            <a:schemeClr val="dk1"/>
+          </a:fillRef>
+          <a:effectRef idx="0">
+            <a:schemeClr val="dk1"/>
+          </a:effectRef>
+          <a:fontRef idx="minor">
+            <a:schemeClr val="lt1"/>
+          </a:fontRef>
+        </p:style>
+        <p:txBody>
+          <a:bodyPr rtlCol="0" anchor="ctr"/>
+          <a:lstStyle/>
+          <a:p>
+            <a:pPr algn="ctr"/>
+            <a:endParaRPr lang="en-US"/>
+          </a:p>
+        </p:txBody>
+      </p:sp>
+    </p:spTree>
+    <p:extLst>
+      <p:ext uri="{BB962C8B-B14F-4D97-AF65-F5344CB8AC3E}">
+        <p14:creationId xmlns:p14="http://schemas.microsoft.com/office/powerpoint/2010/main" val="2046407319"/>
+      </p:ext>
+    </p:extLst>
+  </p:cSld>
+  <p:clrMapOvr>
+    <a:masterClrMapping/>
+  </p:clrMapOvr>
+  <p:timing>
+    <p:tnLst>
+      <p:par>
+        <p:cTn id="1" dur="indefinite" restart="never" nodeType="tmRoot">
+          <p:childTnLst>
+            <p:seq concurrent="1" nextAc="seek">
+              <p:cTn id="2" dur="indefinite" nodeType="mainSeq">
+                <p:childTnLst>
+                  <p:par>
+                    <p:cTn id="3" fill="hold">
+                      <p:stCondLst>
+                        <p:cond delay="indefinite"/>
+                      </p:stCondLst>
+                      <p:childTnLst>
+                        <p:par>
+                          <p:cTn id="4" fill="hold">
+                            <p:stCondLst>
+                              <p:cond delay="0"/>
+                            </p:stCondLst>
+                            <p:childTnLst>
+                              <p:par>
+                                <p:cTn id="5" presetID="1" presetClass="path" presetSubtype="0" repeatCount="indefinite" accel="50000" decel="50000" fill="hold" grpId="0" nodeType="clickEffect">
+                                  <p:stCondLst>
+                                    <p:cond delay="0"/>
+                                  </p:stCondLst>
+                                  <p:childTnLst>
+                                    <p:animMotion origin="layout" path="M 2.08333E-7 1.48148E-6 C 0.10651 1.48148E-6 0.19323 0.13495 0.19323 0.30139 C 0.19323 0.46736 0.10651 0.60278 2.08333E-7 0.60278 C -0.10638 0.60278 -0.19258 0.46736 -0.19258 0.30139 C -0.19258 0.13495 -0.10638 1.48148E-6 2.08333E-7 1.48148E-6 Z " pathEditMode="relative" rAng="0" ptsTypes="AAAAA">
+                                      <p:cBhvr>
+                                        <p:cTn id="6" dur="2000" fill="hold"/>
+                                        <p:tgtEl>
+                                          <p:spTgt spid="6"/>
+                                        </p:tgtEl>
+                                        <p:attrNameLst>
+                                          <p:attrName>ppt_x</p:attrName>
+                                          <p:attrName>ppt_y</p:attrName>
+                                        </p:attrNameLst>
+                                      </p:cBhvr>
+                                      <p:rCtr x="26" y="30139"/>
+                                    </p:animMotion>
+                                  </p:childTnLst>
+                                </p:cTn>
+                              </p:par>
+                            </p:childTnLst>
+                          </p:cTn>
+                        </p:par>
+                      </p:childTnLst>
+                    </p:cTn>
+                  </p:par>
+                  <p:par>
+                    <p:cTn id="7" fill="hold">
+                      <p:stCondLst>
+                        <p:cond delay="indefinite"/>
+                      </p:stCondLst>
+                      <p:childTnLst>
+                        <p:par>
+                          <p:cTn id="8" fill="hold">
+                            <p:stCondLst>
+                              <p:cond delay="0"/>
+                            </p:stCondLst>
+                            <p:childTnLst>
+                              <p:par>
+                                <p:cTn id="9" presetID="42" presetClass="entr" presetSubtype="0" fill="hold" grpId="0" nodeType="clickEffect">
+                                  <p:stCondLst>
+                                    <p:cond delay="0"/>
+                                  </p:stCondLst>
+                                  <p:childTnLst>
+                                    <p:set>
+                                      <p:cBhvr>
+                                        <p:cTn id="10" dur="1" fill="hold">
+                                          <p:stCondLst>
+                                            <p:cond delay="0"/>
+                                          </p:stCondLst>
+                                        </p:cTn>
+                                        <p:tgtEl>
+                                          <p:spTgt spid="7"/>
+                                        </p:tgtEl>
+                                        <p:attrNameLst>
+                                          <p:attrName>style.visibility</p:attrName>
+                                        </p:attrNameLst>
+                                      </p:cBhvr>
+                                      <p:to>
+                                        <p:strVal val="visible"/>
+                                      </p:to>
+                                    </p:set>
+                                    <p:animEffect transition="in" filter="fade">
+                                      <p:cBhvr>
+                                        <p:cTn id="11" dur="1000"/>
+                                        <p:tgtEl>
+                                          <p:spTgt spid="7"/>
+                                        </p:tgtEl>
+                                      </p:cBhvr>
+                                    </p:animEffect>
+                                    <p:anim calcmode="lin" valueType="num">
+                                      <p:cBhvr>
+                                        <p:cTn id="12" dur="1000" fill="hold"/>
+                                        <p:tgtEl>
+                                          <p:spTgt spid="7"/>
+                                        </p:tgtEl>
+                                        <p:attrNameLst>
+                                          <p:attrName>ppt_x</p:attrName>
+                                        </p:attrNameLst>
+                                      </p:cBhvr>
+                                      <p:tavLst>
+                                        <p:tav tm="0">
+                                          <p:val>
+                                            <p:strVal val="#ppt_x"/>
+                                          </p:val>
+                                        </p:tav>
+                                        <p:tav tm="100000">
+                                          <p:val>
+                                            <p:strVal val="#ppt_x"/>
+                                          </p:val>
+                                        </p:tav>
+                                      </p:tavLst>
+                                    </p:anim>
+                                    <p:anim calcmode="lin" valueType="num">
+                                      <p:cBhvr>
+                                        <p:cTn id="13" dur="1000" fill="hold"/>
+                                        <p:tgtEl>
+                                          <p:spTgt spid="7"/>
+                                        </p:tgtEl>
+                                        <p:attrNameLst>
+                                          <p:attrName>ppt_y</p:attrName>
+                                        </p:attrNameLst>
+                                      </p:cBhvr>
+                                      <p:tavLst>
+                                        <p:tav tm="0">
+                                          <p:val>
+                                            <p:strVal val="#ppt_y+.1"/>
+                                          </p:val>
+                                        </p:tav>
+                                        <p:tav tm="100000">
+                                          <p:val>
+                                            <p:strVal val="#ppt_y"/>
+                                          </p:val>
+                                        </p:tav>
+                                      </p:tavLst>
+                                    </p:anim>
+                                  </p:childTnLst>
+                                </p:cTn>
+                              </p:par>
+                            </p:childTnLst>
+                          </p:cTn>
+                        </p:par>
+                        <p:par>
+                          <p:cTn id="14" fill="hold">
+                            <p:stCondLst>
+                              <p:cond delay="1000"/>
+                            </p:stCondLst>
+                            <p:childTnLst>
+                              <p:par>
+                                <p:cTn id="15" presetID="27" presetClass="emph" presetSubtype="0" repeatCount="indefinite" fill="remove" grpId="1" nodeType="afterEffect">
+                                  <p:stCondLst>
+                                    <p:cond delay="0"/>
+                                  </p:stCondLst>
+                                  <p:endCondLst>
+                                    <p:cond evt="onNext" delay="0">
+                                      <p:tgtEl>
+                                        <p:sldTgt/>
+                                      </p:tgtEl>
+                                    </p:cond>
+                                  </p:endCondLst>
+                                  <p:childTnLst>
+                                    <p:animClr clrSpc="rgb" dir="cw">
+                                      <p:cBhvr override="childStyle">
+                                        <p:cTn id="16" dur="250" autoRev="1" fill="remove"/>
+                                        <p:tgtEl>
+                                          <p:spTgt spid="7"/>
+                                        </p:tgtEl>
+                                        <p:attrNameLst>
+                                          <p:attrName>style.color</p:attrName>
+                                        </p:attrNameLst>
+                                      </p:cBhvr>
+                                      <p:to>
+                                        <a:schemeClr val="bg1"/>
+                                      </p:to>
+                                    </p:animClr>
+                                    <p:animClr clrSpc="rgb" dir="cw">
+                                      <p:cBhvr>
+                                        <p:cTn id="17" dur="250" autoRev="1" fill="remove"/>
+                                        <p:tgtEl>
+                                          <p:spTgt spid="7"/>
+                                        </p:tgtEl>
+                                        <p:attrNameLst>
+                                          <p:attrName>fillcolor</p:attrName>
+                                        </p:attrNameLst>
+                                      </p:cBhvr>
+                                      <p:to>
+                                        <a:schemeClr val="bg1"/>
+                                      </p:to>
+                                    </p:animClr>
+                                    <p:set>
+                                      <p:cBhvr>
+                                        <p:cTn id="18" dur="250" autoRev="1" fill="remove"/>
+                                        <p:tgtEl>
+                                          <p:spTgt spid="7"/>
+                                        </p:tgtEl>
+                                        <p:attrNameLst>
+                                          <p:attrName>fill.type</p:attrName>
+                                        </p:attrNameLst>
+                                      </p:cBhvr>
+                                      <p:to>
+                                        <p:strVal val="solid"/>
+                                      </p:to>
+                                    </p:set>
+                                    <p:set>
+                                      <p:cBhvr>
+                                        <p:cTn id="19" dur="250" autoRev="1" fill="remove"/>
+                                        <p:tgtEl>
+                                          <p:spTgt spid="7"/>
+                                        </p:tgtEl>
+                                        <p:attrNameLst>
+                                          <p:attrName>fill.on</p:attrName>
+                                        </p:attrNameLst>
+                                      </p:cBhvr>
+                                      <p:to>
+                                        <p:strVal val="true"/>
+                                      </p:to>
+                                    </p:set>
+                                  </p:childTnLst>
+                                </p:cTn>
+                              </p:par>
+                            </p:childTnLst>
+                          </p:cTn>
+                        </p:par>
+                      </p:childTnLst>
+                    </p:cTn>
+                  </p:par>
+                  <p:par>
+                    <p:cTn id="20" fill="hold">
+                      <p:stCondLst>
+                        <p:cond delay="indefinite"/>
+                      </p:stCondLst>
+                      <p:childTnLst>
+                        <p:par>
+                          <p:cTn id="21" fill="hold">
+                            <p:stCondLst>
+                              <p:cond delay="0"/>
+                            </p:stCondLst>
+                            <p:childTnLst>
+                              <p:par>
+                                <p:cTn id="22" presetID="42" presetClass="path" presetSubtype="0" accel="50000" decel="50000" fill="hold" grpId="2" nodeType="clickEffect">
+                                  <p:stCondLst>
+                                    <p:cond delay="0"/>
+                                  </p:stCondLst>
+                                  <p:childTnLst>
+                                    <p:animMotion origin="layout" path="M 5E-6 1.48148E-6 L -0.00117 0.11111 " pathEditMode="relative" rAng="0" ptsTypes="AA">
+                                      <p:cBhvr>
+                                        <p:cTn id="23" dur="2000" fill="hold"/>
+                                        <p:tgtEl>
+                                          <p:spTgt spid="7"/>
+                                        </p:tgtEl>
+                                        <p:attrNameLst>
+                                          <p:attrName>ppt_x</p:attrName>
+                                          <p:attrName>ppt_y</p:attrName>
+                                        </p:attrNameLst>
+                                      </p:cBhvr>
+                                      <p:rCtr x="-65" y="5556"/>
+                                    </p:animMotion>
+                                  </p:childTnLst>
+                                </p:cTn>
+                              </p:par>
+                            </p:childTnLst>
+                          </p:cTn>
+                        </p:par>
+                        <p:par>
+                          <p:cTn id="24" fill="hold">
+                            <p:stCondLst>
+                              <p:cond delay="2000"/>
+                            </p:stCondLst>
+                            <p:childTnLst>
+                              <p:par>
+                                <p:cTn id="25" presetID="42" presetClass="path" presetSubtype="0" accel="50000" decel="50000" fill="hold" grpId="1" nodeType="afterEffect">
+                                  <p:stCondLst>
+                                    <p:cond delay="0"/>
+                                  </p:stCondLst>
+                                  <p:childTnLst>
+                                    <p:animMotion origin="layout" path="M -8.33333E-7 1.48148E-6 L 0.09518 0.0331 " pathEditMode="relative" rAng="0" ptsTypes="AA">
+                                      <p:cBhvr>
+                                        <p:cTn id="26" dur="2000" fill="hold"/>
+                                        <p:tgtEl>
+                                          <p:spTgt spid="6"/>
+                                        </p:tgtEl>
+                                        <p:attrNameLst>
+                                          <p:attrName>ppt_x</p:attrName>
+                                          <p:attrName>ppt_y</p:attrName>
+                                        </p:attrNameLst>
+                                      </p:cBhvr>
+                                      <p:rCtr x="4753" y="1644"/>
+                                    </p:animMotion>
+                                  </p:childTnLst>
+                                </p:cTn>
+                              </p:par>
+                            </p:childTnLst>
+                          </p:cTn>
+                        </p:par>
+                      </p:childTnLst>
+                    </p:cTn>
+                  </p:par>
+                  <p:par>
+                    <p:cTn id="27" fill="hold">
+                      <p:stCondLst>
+                        <p:cond delay="indefinite"/>
+                      </p:stCondLst>
+                      <p:childTnLst>
+                        <p:par>
+                          <p:cTn id="28" fill="hold">
+                            <p:stCondLst>
+                              <p:cond delay="0"/>
+                            </p:stCondLst>
+                            <p:childTnLst>
+                              <p:par>
+                                <p:cTn id="29" presetID="42" presetClass="exit" presetSubtype="0" fill="hold" grpId="3" nodeType="clickEffect">
+                                  <p:stCondLst>
+                                    <p:cond delay="0"/>
+                                  </p:stCondLst>
+                                  <p:childTnLst>
+                                    <p:animEffect transition="out" filter="fade">
+                                      <p:cBhvr>
+                                        <p:cTn id="30" dur="1000"/>
+                                        <p:tgtEl>
+                                          <p:spTgt spid="7"/>
+                                        </p:tgtEl>
+                                      </p:cBhvr>
+                                    </p:animEffect>
+                                    <p:anim calcmode="lin" valueType="num">
+                                      <p:cBhvr>
+                                        <p:cTn id="31" dur="1000"/>
+                                        <p:tgtEl>
+                                          <p:spTgt spid="7"/>
+                                        </p:tgtEl>
+                                        <p:attrNameLst>
+                                          <p:attrName>ppt_x</p:attrName>
+                                        </p:attrNameLst>
+                                      </p:cBhvr>
+                                      <p:tavLst>
+                                        <p:tav tm="0">
+                                          <p:val>
+                                            <p:strVal val="ppt_x"/>
+                                          </p:val>
+                                        </p:tav>
+                                        <p:tav tm="100000">
+                                          <p:val>
+                                            <p:strVal val="ppt_x"/>
+                                          </p:val>
+                                        </p:tav>
+                                      </p:tavLst>
+                                    </p:anim>
+                                    <p:anim calcmode="lin" valueType="num">
+                                      <p:cBhvr>
+                                        <p:cTn id="32" dur="1000"/>
+                                        <p:tgtEl>
+                                          <p:spTgt spid="7"/>
+                                        </p:tgtEl>
+                                        <p:attrNameLst>
+                                          <p:attrName>ppt_y</p:attrName>
+                                        </p:attrNameLst>
+                                      </p:cBhvr>
+                                      <p:tavLst>
+                                        <p:tav tm="0">
+                                          <p:val>
+                                            <p:strVal val="ppt_y"/>
+                                          </p:val>
+                                        </p:tav>
+                                        <p:tav tm="100000">
+                                          <p:val>
+                                            <p:strVal val="ppt_y+.1"/>
+                                          </p:val>
+                                        </p:tav>
+                                      </p:tavLst>
+                                    </p:anim>
+                                    <p:set>
+                                      <p:cBhvr>
+                                        <p:cTn id="33" dur="1" fill="hold">
+                                          <p:stCondLst>
+                                            <p:cond delay="999"/>
+                                          </p:stCondLst>
+                                        </p:cTn>
+                                        <p:tgtEl>
+                                          <p:spTgt spid="7"/>
+                                        </p:tgtEl>
+                                        <p:attrNameLst>
+                                          <p:attrName>style.visibility</p:attrName>
+                                        </p:attrNameLst>
+                                      </p:cBhvr>
+                                      <p:to>
+                                        <p:strVal val="hidden"/>
+                                      </p:to>
+                                    </p:set>
+                                  </p:childTnLst>
+                                </p:cTn>
+                              </p:par>
+                            </p:childTnLst>
+                          </p:cTn>
+                        </p:par>
+                        <p:par>
+                          <p:cTn id="34" fill="hold">
+                            <p:stCondLst>
+                              <p:cond delay="1000"/>
+                            </p:stCondLst>
+                            <p:childTnLst>
+                              <p:par>
+                                <p:cTn id="35" presetID="1" presetClass="path" presetSubtype="0" repeatCount="indefinite" accel="50000" decel="50000" fill="hold" grpId="2" nodeType="afterEffect">
+                                  <p:stCondLst>
+                                    <p:cond delay="0"/>
+                                  </p:stCondLst>
+                                  <p:childTnLst>
+                                    <p:animMotion origin="layout" path="M -8.33333E-7 1.48148E-6 C 0.10638 1.48148E-6 0.19297 0.13495 0.19297 0.30139 C 0.19297 0.46759 0.10638 0.60301 -8.33333E-7 0.60301 C -0.10677 0.60301 -0.19297 0.46759 -0.19297 0.30139 C -0.19297 0.13495 -0.10677 1.48148E-6 -8.33333E-7 1.48148E-6 Z " pathEditMode="relative" rAng="0" ptsTypes="AAAAA">
+                                      <p:cBhvr>
+                                        <p:cTn id="36" dur="2000" fill="hold"/>
+                                        <p:tgtEl>
+                                          <p:spTgt spid="6"/>
+                                        </p:tgtEl>
+                                        <p:attrNameLst>
+                                          <p:attrName>ppt_x</p:attrName>
+                                          <p:attrName>ppt_y</p:attrName>
+                                        </p:attrNameLst>
+                                      </p:cBhvr>
+                                      <p:rCtr x="0" y="30139"/>
+                                    </p:animMotion>
+                                  </p:childTnLst>
+                                </p:cTn>
+                              </p:par>
+                            </p:childTnLst>
+                          </p:cTn>
+                        </p:par>
+                      </p:childTnLst>
+                    </p:cTn>
+                  </p:par>
+                </p:childTnLst>
+              </p:cTn>
+              <p:prevCondLst>
+                <p:cond evt="onPrev" delay="0">
+                  <p:tgtEl>
+                    <p:sldTgt/>
+                  </p:tgtEl>
+                </p:cond>
+              </p:prevCondLst>
+              <p:nextCondLst>
+                <p:cond evt="onNext" delay="0">
+                  <p:tgtEl>
+                    <p:sldTgt/>
+                  </p:tgtEl>
+                </p:cond>
+              </p:nextCondLst>
+            </p:seq>
+          </p:childTnLst>
+        </p:cTn>
+      </p:par>
+    </p:tnLst>
+    <p:bldLst>
+      <p:bldP spid="7" grpId="0" animBg="1"/>
+      <p:bldP spid="7" grpId="1" animBg="1"/>
+      <p:bldP spid="7" grpId="2" animBg="1"/>
+      <p:bldP spid="7" grpId="3" animBg="1"/>
+      <p:bldP spid="6" grpId="0" animBg="1"/>
+      <p:bldP spid="6" grpId="1" animBg="1"/>
+      <p:bldP spid="6" grpId="2" animBg="1"/>
+    </p:bldLst>
+  </p:timing>
+</p:sld>
+</file>
+
+<file path=ppt/slides/slide2.xml><?xml version="1.0" encoding="utf-8"?>
+<p:sld xmlns:a="http://schemas.openxmlformats.org/drawingml/2006/main" xmlns:r="http://schemas.openxmlformats.org/officeDocument/2006/relationships" xmlns:p="http://schemas.openxmlformats.org/presentationml/2006/main">
+  <p:cSld>
+    <p:spTree>
+      <p:nvGrpSpPr>
+        <p:cNvPr id="1" name=""/>
+        <p:cNvGrpSpPr/>
+        <p:nvPr/>
+      </p:nvGrpSpPr>
+      <p:grpSpPr>
+        <a:xfrm>
+          <a:off x="0" y="0"/>
+          <a:ext cx="0" cy="0"/>
+          <a:chOff x="0" y="0"/>
+          <a:chExt cx="0" cy="0"/>
+        </a:xfrm>
+      </p:grpSpPr>
+      <p:sp>
+        <p:nvSpPr>
+          <p:cNvPr id="2" name="Titre 1"/>
+          <p:cNvSpPr>
+            <a:spLocks noGrp="1"/>
+          </p:cNvSpPr>
+          <p:nvPr>
+            <p:ph type="title"/>
+          </p:nvPr>
+        </p:nvSpPr>
+        <p:spPr>
+          <a:xfrm>
+            <a:off x="4078550" y="258593"/>
+            <a:ext cx="3103485" cy="1325563"/>
+          </a:xfrm>
+        </p:spPr>
+        <p:txBody>
+          <a:bodyPr/>
+          <a:lstStyle/>
+          <a:p>
+            <a:r>
+              <a:rPr lang="en-US" dirty="0" err="1" smtClean="0"/>
+              <a:t>Asysnc</a:t>
+            </a:r>
+            <a:r>
+              <a:rPr lang="en-US" dirty="0" smtClean="0"/>
+              <a:t> tasks</a:t>
+            </a:r>
+            <a:endParaRPr lang="en-US" dirty="0"/>
+          </a:p>
+        </p:txBody>
+      </p:sp>
+      <p:sp>
+        <p:nvSpPr>
+          <p:cNvPr id="5" name="Titre 1"/>
+          <p:cNvSpPr txBox="1">
+            <a:spLocks/>
+          </p:cNvSpPr>
+          <p:nvPr/>
+        </p:nvSpPr>
+        <p:spPr>
+          <a:xfrm>
+            <a:off x="1097133" y="2887864"/>
+            <a:ext cx="3821096" cy="1325563"/>
+          </a:xfrm>
+          <a:prstGeom prst="rect">
+            <a:avLst/>
+          </a:prstGeom>
+        </p:spPr>
+        <p:txBody>
+          <a:bodyPr vert="horz" lIns="91440" tIns="45720" rIns="91440" bIns="45720" rtlCol="0" anchor="ctr">
+            <a:normAutofit/>
+          </a:bodyPr>
+          <a:lstStyle>
+            <a:lvl1pPr algn="l" defTabSz="914400" rtl="0" eaLnBrk="1" latinLnBrk="0" hangingPunct="1">
+              <a:lnSpc>
+                <a:spcPct val="90000"/>
+              </a:lnSpc>
+              <a:spcBef>
+                <a:spcPct val="0"/>
+              </a:spcBef>
+              <a:buNone/>
+              <a:defRPr sz="4400" kern="1200">
+                <a:solidFill>
+                  <a:schemeClr val="tx1"/>
+                </a:solidFill>
+                <a:latin typeface="+mj-lt"/>
+                <a:ea typeface="+mj-ea"/>
+                <a:cs typeface="+mj-cs"/>
+              </a:defRPr>
+            </a:lvl1pPr>
+          </a:lstStyle>
+          <a:p>
+            <a:r>
+              <a:rPr lang="en-US" dirty="0" smtClean="0"/>
+              <a:t>MACRO TASKS</a:t>
+            </a:r>
+            <a:endParaRPr lang="en-US" dirty="0"/>
+          </a:p>
+        </p:txBody>
+      </p:sp>
+      <p:sp>
+        <p:nvSpPr>
+          <p:cNvPr id="6" name="Titre 1"/>
+          <p:cNvSpPr txBox="1">
+            <a:spLocks/>
+          </p:cNvSpPr>
+          <p:nvPr/>
+        </p:nvSpPr>
+        <p:spPr>
+          <a:xfrm>
+            <a:off x="7182035" y="2887863"/>
+            <a:ext cx="3821096" cy="1325563"/>
+          </a:xfrm>
+          <a:prstGeom prst="rect">
+            <a:avLst/>
+          </a:prstGeom>
+        </p:spPr>
+        <p:txBody>
+          <a:bodyPr vert="horz" lIns="91440" tIns="45720" rIns="91440" bIns="45720" rtlCol="0" anchor="ctr">
+            <a:normAutofit/>
+          </a:bodyPr>
+          <a:lstStyle>
+            <a:lvl1pPr algn="l" defTabSz="914400" rtl="0" eaLnBrk="1" latinLnBrk="0" hangingPunct="1">
+              <a:lnSpc>
+                <a:spcPct val="90000"/>
+              </a:lnSpc>
+              <a:spcBef>
+                <a:spcPct val="0"/>
+              </a:spcBef>
+              <a:buNone/>
+              <a:defRPr sz="4400" kern="1200">
+                <a:solidFill>
+                  <a:schemeClr val="tx1"/>
+                </a:solidFill>
+                <a:latin typeface="+mj-lt"/>
+                <a:ea typeface="+mj-ea"/>
+                <a:cs typeface="+mj-cs"/>
+              </a:defRPr>
+            </a:lvl1pPr>
+          </a:lstStyle>
+          <a:p>
+            <a:r>
+              <a:rPr lang="en-US" dirty="0" smtClean="0"/>
+              <a:t>MICRO TASKS</a:t>
+            </a:r>
+            <a:endParaRPr lang="en-US" dirty="0"/>
+          </a:p>
+        </p:txBody>
+      </p:sp>
+    </p:spTree>
+    <p:extLst>
+      <p:ext uri="{BB962C8B-B14F-4D97-AF65-F5344CB8AC3E}">
+        <p14:creationId xmlns:p14="http://schemas.microsoft.com/office/powerpoint/2010/main" val="2309963223"/>
+      </p:ext>
+    </p:extLst>
+  </p:cSld>
+  <p:clrMapOvr>
+    <a:masterClrMapping/>
+  </p:clrMapOvr>
+  <p:timing>
+    <p:tnLst>
+      <p:par>
+        <p:cTn id="1" dur="indefinite" restart="never" nodeType="tmRoot"/>
+      </p:par>
+    </p:tnLst>
+  </p:timing>
+</p:sld>
+</file>
+
+<file path=ppt/slides/slide3.xml><?xml version="1.0" encoding="utf-8"?>
+<p:sld xmlns:a="http://schemas.openxmlformats.org/drawingml/2006/main" xmlns:r="http://schemas.openxmlformats.org/officeDocument/2006/relationships" xmlns:p="http://schemas.openxmlformats.org/presentationml/2006/main">
+  <p:cSld>
+    <p:spTree>
+      <p:nvGrpSpPr>
+        <p:cNvPr id="1" name=""/>
+        <p:cNvGrpSpPr/>
+        <p:nvPr/>
+      </p:nvGrpSpPr>
+      <p:grpSpPr>
+        <a:xfrm>
+          <a:off x="0" y="0"/>
+          <a:ext cx="0" cy="0"/>
+          <a:chOff x="0" y="0"/>
+          <a:chExt cx="0" cy="0"/>
+        </a:xfrm>
+      </p:grpSpPr>
+      <p:sp>
+        <p:nvSpPr>
+          <p:cNvPr id="2" name="Titre 1"/>
+          <p:cNvSpPr>
+            <a:spLocks noGrp="1"/>
+          </p:cNvSpPr>
+          <p:nvPr>
+            <p:ph type="title"/>
+          </p:nvPr>
+        </p:nvSpPr>
+        <p:spPr/>
+        <p:txBody>
+          <a:bodyPr/>
+          <a:lstStyle/>
+          <a:p>
+            <a:r>
+              <a:rPr lang="en-US" dirty="0" smtClean="0"/>
+              <a:t>Macro tasks</a:t>
+            </a:r>
+            <a:endParaRPr lang="en-US" dirty="0"/>
+          </a:p>
+        </p:txBody>
+      </p:sp>
+      <p:sp>
+        <p:nvSpPr>
+          <p:cNvPr id="3" name="Espace réservé du contenu 2"/>
+          <p:cNvSpPr>
+            <a:spLocks noGrp="1"/>
+          </p:cNvSpPr>
+          <p:nvPr>
+            <p:ph idx="1"/>
+          </p:nvPr>
+        </p:nvSpPr>
+        <p:spPr>
+          <a:xfrm>
+            <a:off x="838200" y="2008505"/>
+            <a:ext cx="8654143" cy="3390809"/>
+          </a:xfrm>
+        </p:spPr>
+        <p:txBody>
+          <a:bodyPr/>
+          <a:lstStyle/>
+          <a:p>
+            <a:r>
+              <a:rPr lang="en-US" dirty="0" err="1" smtClean="0"/>
+              <a:t>setTimeout</a:t>
+            </a:r>
+            <a:endParaRPr lang="en-US" dirty="0" smtClean="0"/>
+          </a:p>
+          <a:p>
+            <a:r>
+              <a:rPr lang="en-US" dirty="0" err="1" smtClean="0"/>
+              <a:t>setInterval</a:t>
+            </a:r>
+            <a:r>
+              <a:rPr lang="en-US" dirty="0" smtClean="0"/>
+              <a:t>,</a:t>
+            </a:r>
+          </a:p>
+          <a:p>
+            <a:r>
+              <a:rPr lang="en-US" dirty="0" err="1" smtClean="0"/>
+              <a:t>requestAnimationFrame</a:t>
+            </a:r>
+            <a:endParaRPr lang="en-US" dirty="0" smtClean="0"/>
+          </a:p>
+          <a:p>
+            <a:r>
+              <a:rPr lang="en-US" dirty="0" smtClean="0"/>
+              <a:t>UI rendering</a:t>
+            </a:r>
+          </a:p>
+          <a:p>
+            <a:r>
+              <a:rPr lang="en-US" dirty="0" smtClean="0"/>
+              <a:t>…</a:t>
+            </a:r>
+            <a:endParaRPr lang="en-US" dirty="0"/>
+          </a:p>
+        </p:txBody>
+      </p:sp>
+    </p:spTree>
+    <p:extLst>
+      <p:ext uri="{BB962C8B-B14F-4D97-AF65-F5344CB8AC3E}">
+        <p14:creationId xmlns:p14="http://schemas.microsoft.com/office/powerpoint/2010/main" val="567113964"/>
+      </p:ext>
+    </p:extLst>
+  </p:cSld>
+  <p:clrMapOvr>
+    <a:masterClrMapping/>
+  </p:clrMapOvr>
+  <p:timing>
+    <p:tnLst>
+      <p:par>
+        <p:cTn id="1" dur="indefinite" restart="never" nodeType="tmRoot"/>
+      </p:par>
+    </p:tnLst>
+  </p:timing>
+</p:sld>
+</file>
+
+<file path=ppt/slides/slide4.xml><?xml version="1.0" encoding="utf-8"?>
+<p:sld xmlns:a="http://schemas.openxmlformats.org/drawingml/2006/main" xmlns:r="http://schemas.openxmlformats.org/officeDocument/2006/relationships" xmlns:p="http://schemas.openxmlformats.org/presentationml/2006/main">
+  <p:cSld>
+    <p:spTree>
+      <p:nvGrpSpPr>
+        <p:cNvPr id="1" name=""/>
+        <p:cNvGrpSpPr/>
+        <p:nvPr/>
+      </p:nvGrpSpPr>
+      <p:grpSpPr>
+        <a:xfrm>
+          <a:off x="0" y="0"/>
+          <a:ext cx="0" cy="0"/>
+          <a:chOff x="0" y="0"/>
+          <a:chExt cx="0" cy="0"/>
+        </a:xfrm>
+      </p:grpSpPr>
+      <p:sp>
+        <p:nvSpPr>
+          <p:cNvPr id="2" name="Titre 1"/>
+          <p:cNvSpPr>
+            <a:spLocks noGrp="1"/>
+          </p:cNvSpPr>
+          <p:nvPr>
+            <p:ph type="title"/>
+          </p:nvPr>
+        </p:nvSpPr>
+        <p:spPr/>
+        <p:txBody>
+          <a:bodyPr/>
+          <a:lstStyle/>
+          <a:p>
+            <a:r>
+              <a:rPr lang="en-US" dirty="0" smtClean="0"/>
+              <a:t>Micro tasks</a:t>
+            </a:r>
+            <a:endParaRPr lang="en-US" dirty="0"/>
+          </a:p>
+        </p:txBody>
+      </p:sp>
+      <p:sp>
+        <p:nvSpPr>
+          <p:cNvPr id="4" name="Espace réservé du contenu 2"/>
+          <p:cNvSpPr>
+            <a:spLocks noGrp="1"/>
+          </p:cNvSpPr>
+          <p:nvPr>
+            <p:ph idx="1"/>
+          </p:nvPr>
+        </p:nvSpPr>
+        <p:spPr>
+          <a:xfrm>
+            <a:off x="838200" y="2008505"/>
+            <a:ext cx="8654143" cy="3390809"/>
+          </a:xfrm>
+        </p:spPr>
+        <p:txBody>
+          <a:bodyPr/>
+          <a:lstStyle/>
+          <a:p>
+            <a:r>
+              <a:rPr lang="en-US" dirty="0" smtClean="0"/>
+              <a:t>Promises</a:t>
+            </a:r>
+          </a:p>
+          <a:p>
+            <a:r>
+              <a:rPr lang="en-US" dirty="0" err="1" smtClean="0"/>
+              <a:t>queueMicrotask</a:t>
+            </a:r>
+            <a:endParaRPr lang="en-US" dirty="0" smtClean="0"/>
+          </a:p>
+          <a:p>
+            <a:r>
+              <a:rPr lang="en-US" dirty="0" err="1" smtClean="0"/>
+              <a:t>MutationObserver</a:t>
+            </a:r>
+            <a:endParaRPr lang="en-US" dirty="0" smtClean="0"/>
+          </a:p>
+          <a:p>
+            <a:r>
+              <a:rPr lang="en-US" dirty="0" smtClean="0"/>
+              <a:t>…</a:t>
+            </a:r>
+            <a:endParaRPr lang="en-US" dirty="0"/>
+          </a:p>
+        </p:txBody>
+      </p:sp>
+    </p:spTree>
+    <p:extLst>
+      <p:ext uri="{BB962C8B-B14F-4D97-AF65-F5344CB8AC3E}">
+        <p14:creationId xmlns:p14="http://schemas.microsoft.com/office/powerpoint/2010/main" val="4192080846"/>
+      </p:ext>
+    </p:extLst>
+  </p:cSld>
+  <p:clrMapOvr>
+    <a:masterClrMapping/>
+  </p:clrMapOvr>
+  <p:timing>
+    <p:tnLst>
+      <p:par>
+        <p:cTn id="1" dur="indefinite" restart="never" nodeType="tmRoot"/>
+      </p:par>
+    </p:tnLst>
+  </p:timing>
+</p:sld>
+</file>
+
+<file path=ppt/slides/slide5.xml><?xml version="1.0" encoding="utf-8"?>
 <p:sld xmlns:a="http://schemas.openxmlformats.org/drawingml/2006/main" xmlns:r="http://schemas.openxmlformats.org/officeDocument/2006/relationships" xmlns:p="http://schemas.openxmlformats.org/presentationml/2006/main">
   <p:cSld>
     <p:spTree>
@@ -5360,6 +6454,85 @@
 </p:sld>
 </file>
 
+<file path=ppt/slides/slide6.xml><?xml version="1.0" encoding="utf-8"?>
+<p:sld xmlns:a="http://schemas.openxmlformats.org/drawingml/2006/main" xmlns:r="http://schemas.openxmlformats.org/officeDocument/2006/relationships" xmlns:p="http://schemas.openxmlformats.org/presentationml/2006/main">
+  <p:cSld>
+    <p:spTree>
+      <p:nvGrpSpPr>
+        <p:cNvPr id="1" name=""/>
+        <p:cNvGrpSpPr/>
+        <p:nvPr/>
+      </p:nvGrpSpPr>
+      <p:grpSpPr>
+        <a:xfrm>
+          <a:off x="0" y="0"/>
+          <a:ext cx="0" cy="0"/>
+          <a:chOff x="0" y="0"/>
+          <a:chExt cx="0" cy="0"/>
+        </a:xfrm>
+      </p:grpSpPr>
+      <p:sp>
+        <p:nvSpPr>
+          <p:cNvPr id="2" name="Titre 1"/>
+          <p:cNvSpPr>
+            <a:spLocks noGrp="1"/>
+          </p:cNvSpPr>
+          <p:nvPr>
+            <p:ph type="title"/>
+          </p:nvPr>
+        </p:nvSpPr>
+        <p:spPr/>
+        <p:txBody>
+          <a:bodyPr/>
+          <a:lstStyle/>
+          <a:p>
+            <a:r>
+              <a:rPr lang="en-US" dirty="0" smtClean="0"/>
+              <a:t>Callback</a:t>
+            </a:r>
+            <a:endParaRPr lang="en-US" dirty="0"/>
+          </a:p>
+        </p:txBody>
+      </p:sp>
+      <p:sp>
+        <p:nvSpPr>
+          <p:cNvPr id="3" name="Espace réservé du contenu 2"/>
+          <p:cNvSpPr>
+            <a:spLocks noGrp="1"/>
+          </p:cNvSpPr>
+          <p:nvPr>
+            <p:ph idx="1"/>
+          </p:nvPr>
+        </p:nvSpPr>
+        <p:spPr/>
+        <p:txBody>
+          <a:bodyPr/>
+          <a:lstStyle/>
+          <a:p>
+            <a:endParaRPr lang="en-US" dirty="0"/>
+          </a:p>
+        </p:txBody>
+      </p:sp>
+    </p:spTree>
+    <p:extLst>
+      <p:ext uri="{BB962C8B-B14F-4D97-AF65-F5344CB8AC3E}">
+        <p14:creationId xmlns:p14="http://schemas.microsoft.com/office/powerpoint/2010/main" val="490620753"/>
+      </p:ext>
+    </p:extLst>
+  </p:cSld>
+  <p:clrMapOvr>
+    <a:masterClrMapping/>
+  </p:clrMapOvr>
+  <p:timing>
+    <p:tnLst>
+      <p:par>
+        <p:cTn id="1" dur="indefinite" restart="never" nodeType="tmRoot"/>
+      </p:par>
+    </p:tnLst>
+  </p:timing>
+</p:sld>
+</file>
+
 <file path=ppt/theme/theme1.xml><?xml version="1.0" encoding="utf-8"?>
 <a:theme xmlns:a="http://schemas.openxmlformats.org/drawingml/2006/main" name="Thème Office">
   <a:themeElements>
